--- a/Presentations/Pitch.pptx
+++ b/Presentations/Pitch.pptx
@@ -6,11 +6,14 @@
   </p:sldMasterIdLst>
   <p:sldIdLst>
     <p:sldId id="261" r:id="rId2"/>
-    <p:sldId id="257" r:id="rId3"/>
-    <p:sldId id="258" r:id="rId4"/>
-    <p:sldId id="262" r:id="rId5"/>
-    <p:sldId id="259" r:id="rId6"/>
-    <p:sldId id="260" r:id="rId7"/>
+    <p:sldId id="263" r:id="rId3"/>
+    <p:sldId id="257" r:id="rId4"/>
+    <p:sldId id="266" r:id="rId5"/>
+    <p:sldId id="264" r:id="rId6"/>
+    <p:sldId id="265" r:id="rId7"/>
+    <p:sldId id="258" r:id="rId8"/>
+    <p:sldId id="267" r:id="rId9"/>
+    <p:sldId id="268" r:id="rId10"/>
   </p:sldIdLst>
   <p:sldSz cx="12192000" cy="6858000"/>
   <p:notesSz cx="6858000" cy="9144000"/>
@@ -109,6 +112,11 @@
       </a:defRPr>
     </a:lvl9pPr>
   </p:defaultTextStyle>
+  <p:extLst>
+    <p:ext uri="{EFAFB233-063F-42B5-8137-9DF3F51BA10A}">
+      <p15:sldGuideLst xmlns:p15="http://schemas.microsoft.com/office/powerpoint/2012/main"/>
+    </p:ext>
+  </p:extLst>
 </p:presentation>
 </file>
 
@@ -301,7 +309,7 @@
             <a:fld id="{B61BEF0D-F0BB-DE4B-95CE-6DB70DBA9567}" type="datetimeFigureOut">
               <a:rPr lang="en-US" dirty="0"/>
               <a:pPr/>
-              <a:t>1/15/2018</a:t>
+              <a:t>2/3/2018</a:t>
             </a:fld>
             <a:endParaRPr lang="en-US" dirty="0"/>
           </a:p>
@@ -636,7 +644,7 @@
             <a:fld id="{B61BEF0D-F0BB-DE4B-95CE-6DB70DBA9567}" type="datetimeFigureOut">
               <a:rPr lang="en-US" dirty="0"/>
               <a:pPr/>
-              <a:t>1/15/2018</a:t>
+              <a:t>2/3/2018</a:t>
             </a:fld>
             <a:endParaRPr lang="en-US" dirty="0"/>
           </a:p>
@@ -1034,7 +1042,7 @@
             <a:fld id="{B61BEF0D-F0BB-DE4B-95CE-6DB70DBA9567}" type="datetimeFigureOut">
               <a:rPr lang="en-US" dirty="0"/>
               <a:pPr/>
-              <a:t>1/15/2018</a:t>
+              <a:t>2/3/2018</a:t>
             </a:fld>
             <a:endParaRPr lang="en-US" dirty="0"/>
           </a:p>
@@ -1367,7 +1375,7 @@
             <a:fld id="{B61BEF0D-F0BB-DE4B-95CE-6DB70DBA9567}" type="datetimeFigureOut">
               <a:rPr lang="en-US" dirty="0"/>
               <a:pPr/>
-              <a:t>1/15/2018</a:t>
+              <a:t>2/3/2018</a:t>
             </a:fld>
             <a:endParaRPr lang="en-US" dirty="0"/>
           </a:p>
@@ -1684,7 +1692,7 @@
             <a:fld id="{B61BEF0D-F0BB-DE4B-95CE-6DB70DBA9567}" type="datetimeFigureOut">
               <a:rPr lang="en-US" dirty="0"/>
               <a:pPr/>
-              <a:t>1/15/2018</a:t>
+              <a:t>2/3/2018</a:t>
             </a:fld>
             <a:endParaRPr lang="en-US" dirty="0"/>
           </a:p>
@@ -2077,7 +2085,7 @@
             <a:fld id="{B61BEF0D-F0BB-DE4B-95CE-6DB70DBA9567}" type="datetimeFigureOut">
               <a:rPr lang="en-US" dirty="0"/>
               <a:pPr/>
-              <a:t>1/15/2018</a:t>
+              <a:t>2/3/2018</a:t>
             </a:fld>
             <a:endParaRPr lang="en-US" dirty="0"/>
           </a:p>
@@ -2331,7 +2339,7 @@
             <a:fld id="{B61BEF0D-F0BB-DE4B-95CE-6DB70DBA9567}" type="datetimeFigureOut">
               <a:rPr lang="en-US" dirty="0"/>
               <a:pPr/>
-              <a:t>1/15/2018</a:t>
+              <a:t>2/3/2018</a:t>
             </a:fld>
             <a:endParaRPr lang="en-US" dirty="0"/>
           </a:p>
@@ -2590,7 +2598,7 @@
             <a:fld id="{B61BEF0D-F0BB-DE4B-95CE-6DB70DBA9567}" type="datetimeFigureOut">
               <a:rPr lang="en-US" dirty="0"/>
               <a:pPr/>
-              <a:t>1/15/2018</a:t>
+              <a:t>2/3/2018</a:t>
             </a:fld>
             <a:endParaRPr lang="en-US" dirty="0"/>
           </a:p>
@@ -2849,7 +2857,7 @@
             <a:fld id="{B61BEF0D-F0BB-DE4B-95CE-6DB70DBA9567}" type="datetimeFigureOut">
               <a:rPr lang="en-US" dirty="0"/>
               <a:pPr/>
-              <a:t>1/15/2018</a:t>
+              <a:t>2/3/2018</a:t>
             </a:fld>
             <a:endParaRPr lang="en-US" dirty="0"/>
           </a:p>
@@ -3175,7 +3183,7 @@
             <a:fld id="{B61BEF0D-F0BB-DE4B-95CE-6DB70DBA9567}" type="datetimeFigureOut">
               <a:rPr lang="en-US" dirty="0"/>
               <a:pPr/>
-              <a:t>1/15/2018</a:t>
+              <a:t>2/3/2018</a:t>
             </a:fld>
             <a:endParaRPr lang="en-US" dirty="0"/>
           </a:p>
@@ -3495,7 +3503,7 @@
             <a:fld id="{B61BEF0D-F0BB-DE4B-95CE-6DB70DBA9567}" type="datetimeFigureOut">
               <a:rPr lang="en-US" dirty="0"/>
               <a:pPr/>
-              <a:t>1/15/2018</a:t>
+              <a:t>2/3/2018</a:t>
             </a:fld>
             <a:endParaRPr lang="en-US" dirty="0"/>
           </a:p>
@@ -3949,7 +3957,7 @@
             <a:fld id="{B61BEF0D-F0BB-DE4B-95CE-6DB70DBA9567}" type="datetimeFigureOut">
               <a:rPr lang="en-US" dirty="0"/>
               <a:pPr/>
-              <a:t>1/15/2018</a:t>
+              <a:t>2/3/2018</a:t>
             </a:fld>
             <a:endParaRPr lang="en-US" dirty="0"/>
           </a:p>
@@ -4151,7 +4159,7 @@
             <a:fld id="{B61BEF0D-F0BB-DE4B-95CE-6DB70DBA9567}" type="datetimeFigureOut">
               <a:rPr lang="en-US" dirty="0"/>
               <a:pPr/>
-              <a:t>1/15/2018</a:t>
+              <a:t>2/3/2018</a:t>
             </a:fld>
             <a:endParaRPr lang="en-US" dirty="0"/>
           </a:p>
@@ -4325,7 +4333,7 @@
             <a:fld id="{B61BEF0D-F0BB-DE4B-95CE-6DB70DBA9567}" type="datetimeFigureOut">
               <a:rPr lang="en-US" dirty="0"/>
               <a:pPr/>
-              <a:t>1/15/2018</a:t>
+              <a:t>2/3/2018</a:t>
             </a:fld>
             <a:endParaRPr lang="en-US" dirty="0"/>
           </a:p>
@@ -4655,7 +4663,7 @@
             <a:fld id="{B61BEF0D-F0BB-DE4B-95CE-6DB70DBA9567}" type="datetimeFigureOut">
               <a:rPr lang="en-US" dirty="0"/>
               <a:pPr/>
-              <a:t>1/15/2018</a:t>
+              <a:t>2/3/2018</a:t>
             </a:fld>
             <a:endParaRPr lang="en-US" dirty="0"/>
           </a:p>
@@ -4997,7 +5005,7 @@
             <a:fld id="{B61BEF0D-F0BB-DE4B-95CE-6DB70DBA9567}" type="datetimeFigureOut">
               <a:rPr lang="en-US" dirty="0"/>
               <a:pPr/>
-              <a:t>1/15/2018</a:t>
+              <a:t>2/3/2018</a:t>
             </a:fld>
             <a:endParaRPr lang="en-US" dirty="0"/>
           </a:p>
@@ -7048,7 +7056,7 @@
             <a:fld id="{B61BEF0D-F0BB-DE4B-95CE-6DB70DBA9567}" type="datetimeFigureOut">
               <a:rPr lang="en-US" dirty="0"/>
               <a:pPr/>
-              <a:t>1/15/2018</a:t>
+              <a:t>2/3/2018</a:t>
             </a:fld>
             <a:endParaRPr lang="en-US" dirty="0"/>
           </a:p>
@@ -7586,9 +7594,54 @@
           <a:p>
             <a:r>
               <a:rPr lang="en-IN" sz="8800" dirty="0" smtClean="0"/>
-              <a:t>PROJECT 1</a:t>
+              <a:t>GROUP 9</a:t>
             </a:r>
             <a:endParaRPr lang="en-IN" sz="4400" dirty="0"/>
+          </a:p>
+        </p:txBody>
+      </p:sp>
+      <p:sp>
+        <p:nvSpPr>
+          <p:cNvPr id="4" name="TextBox 3"/>
+          <p:cNvSpPr txBox="1"/>
+          <p:nvPr/>
+        </p:nvSpPr>
+        <p:spPr>
+          <a:xfrm>
+            <a:off x="2230453" y="5409488"/>
+            <a:ext cx="6238430" cy="646331"/>
+          </a:xfrm>
+          <a:prstGeom prst="rect">
+            <a:avLst/>
+          </a:prstGeom>
+          <a:noFill/>
+        </p:spPr>
+        <p:txBody>
+          <a:bodyPr wrap="square" rtlCol="0">
+            <a:spAutoFit/>
+          </a:bodyPr>
+          <a:lstStyle/>
+          <a:p>
+            <a:r>
+              <a:rPr lang="en-IN" dirty="0" smtClean="0"/>
+              <a:t>SCRUM MASTER – </a:t>
+            </a:r>
+            <a:r>
+              <a:rPr lang="en-IN" dirty="0" err="1" smtClean="0"/>
+              <a:t>Dushyant</a:t>
+            </a:r>
+            <a:r>
+              <a:rPr lang="en-IN" dirty="0" smtClean="0"/>
+              <a:t> </a:t>
+            </a:r>
+            <a:r>
+              <a:rPr lang="en-IN" dirty="0" err="1" smtClean="0"/>
+              <a:t>Kaushik</a:t>
+            </a:r>
+            <a:endParaRPr lang="en-IN" dirty="0" smtClean="0"/>
+          </a:p>
+          <a:p>
+            <a:endParaRPr lang="en-IN" dirty="0"/>
           </a:p>
         </p:txBody>
       </p:sp>
@@ -7629,10 +7682,15 @@
             <a:spLocks noGrp="1"/>
           </p:cNvSpPr>
           <p:nvPr>
-            <p:ph type="title"/>
-          </p:nvPr>
-        </p:nvSpPr>
-        <p:spPr/>
+            <p:ph type="ctrTitle"/>
+          </p:nvPr>
+        </p:nvSpPr>
+        <p:spPr>
+          <a:xfrm>
+            <a:off x="2144832" y="3931065"/>
+            <a:ext cx="8915399" cy="1359064"/>
+          </a:xfrm>
+        </p:spPr>
         <p:txBody>
           <a:bodyPr>
             <a:normAutofit/>
@@ -7640,66 +7698,17 @@
           <a:lstStyle/>
           <a:p>
             <a:r>
-              <a:rPr lang="en-IN" sz="7300" b="1" dirty="0" smtClean="0"/>
-              <a:t>PROBLEM</a:t>
-            </a:r>
-            <a:endParaRPr lang="en-IN" b="1" dirty="0"/>
-          </a:p>
-        </p:txBody>
-      </p:sp>
-      <p:sp>
-        <p:nvSpPr>
-          <p:cNvPr id="3" name="Content Placeholder 2"/>
-          <p:cNvSpPr>
-            <a:spLocks noGrp="1"/>
-          </p:cNvSpPr>
-          <p:nvPr>
-            <p:ph idx="1"/>
-          </p:nvPr>
-        </p:nvSpPr>
-        <p:spPr/>
-        <p:txBody>
-          <a:bodyPr>
-            <a:normAutofit/>
-          </a:bodyPr>
-          <a:lstStyle/>
-          <a:p>
-            <a:r>
-              <a:rPr lang="en-IN" sz="2400" dirty="0" smtClean="0"/>
-              <a:t>It is difficult to track overall P/L of investment in </a:t>
-            </a:r>
-            <a:r>
-              <a:rPr lang="en-IN" sz="2400" dirty="0" err="1" smtClean="0"/>
-              <a:t>CryptoCurrency</a:t>
-            </a:r>
-            <a:r>
-              <a:rPr lang="en-IN" sz="2400" dirty="0" smtClean="0"/>
-              <a:t>.</a:t>
-            </a:r>
-          </a:p>
-          <a:p>
-            <a:r>
-              <a:rPr lang="en-IN" sz="2400" dirty="0" smtClean="0"/>
-              <a:t>There are many different exchanges on which we trade and</a:t>
-            </a:r>
-            <a:r>
-              <a:rPr lang="en-IN" sz="2400" dirty="0"/>
-              <a:t> </a:t>
-            </a:r>
-            <a:r>
-              <a:rPr lang="en-IN" sz="2400" dirty="0" smtClean="0"/>
-              <a:t>the exchanges only show the P/L of trading we’re doing only on their website .</a:t>
-            </a:r>
-          </a:p>
-          <a:p>
-            <a:endParaRPr lang="en-IN" sz="2400" dirty="0"/>
+              <a:rPr lang="en-IN" sz="7200" dirty="0" smtClean="0"/>
+              <a:t>CRYPTO-WALLET</a:t>
+            </a:r>
+            <a:endParaRPr lang="en-IN" sz="7200" dirty="0"/>
           </a:p>
         </p:txBody>
       </p:sp>
     </p:spTree>
     <p:extLst>
       <p:ext uri="{BB962C8B-B14F-4D97-AF65-F5344CB8AC3E}">
-        <p14:creationId xmlns:p14="http://schemas.microsoft.com/office/powerpoint/2010/main" val="1326571196"/>
+        <p14:creationId xmlns:p14="http://schemas.microsoft.com/office/powerpoint/2010/main" val="137573743"/>
       </p:ext>
     </p:extLst>
   </p:cSld>
@@ -7744,10 +7753,10 @@
           <a:lstStyle/>
           <a:p>
             <a:r>
-              <a:rPr lang="en-IN" sz="7200" b="1" dirty="0" smtClean="0"/>
-              <a:t>SOLUTION</a:t>
-            </a:r>
-            <a:endParaRPr lang="en-IN" sz="7200" dirty="0"/>
+              <a:rPr lang="en-IN" sz="7300" b="1" dirty="0" smtClean="0"/>
+              <a:t>PROBLEM</a:t>
+            </a:r>
+            <a:endParaRPr lang="en-IN" b="1" dirty="0"/>
           </a:p>
         </p:txBody>
       </p:sp>
@@ -7769,20 +7778,20 @@
           <a:lstStyle/>
           <a:p>
             <a:r>
-              <a:rPr lang="en-IN" sz="2400" dirty="0" smtClean="0"/>
-              <a:t>A complete portal where you can track all of your crypto currency investments on different exchanges.</a:t>
-            </a:r>
-          </a:p>
-          <a:p>
-            <a:r>
-              <a:rPr lang="en-IN" sz="2400" dirty="0" smtClean="0"/>
-              <a:t>Keep up to date on total P/L for the total investment.</a:t>
-            </a:r>
-          </a:p>
-          <a:p>
-            <a:r>
-              <a:rPr lang="en-IN" sz="2400" dirty="0" smtClean="0"/>
-              <a:t>Also, P/L on per coin/token basis for better detailed analysis.</a:t>
+              <a:rPr lang="en-IN" sz="3200" dirty="0" smtClean="0"/>
+              <a:t>There </a:t>
+            </a:r>
+            <a:r>
+              <a:rPr lang="en-IN" sz="3200" dirty="0" smtClean="0"/>
+              <a:t>are many different exchanges on which we trade and</a:t>
+            </a:r>
+            <a:r>
+              <a:rPr lang="en-IN" sz="3200" dirty="0"/>
+              <a:t> </a:t>
+            </a:r>
+            <a:r>
+              <a:rPr lang="en-IN" sz="3200" dirty="0" smtClean="0"/>
+              <a:t>the exchanges only show the P/L of trading we’re doing only on their website .</a:t>
             </a:r>
           </a:p>
           <a:p>
@@ -7793,7 +7802,7 @@
     </p:spTree>
     <p:extLst>
       <p:ext uri="{BB962C8B-B14F-4D97-AF65-F5344CB8AC3E}">
-        <p14:creationId xmlns:p14="http://schemas.microsoft.com/office/powerpoint/2010/main" val="2028218280"/>
+        <p14:creationId xmlns:p14="http://schemas.microsoft.com/office/powerpoint/2010/main" val="1326571196"/>
       </p:ext>
     </p:extLst>
   </p:cSld>
@@ -7827,33 +7836,73 @@
             <a:spLocks noGrp="1"/>
           </p:cNvSpPr>
           <p:nvPr>
-            <p:ph type="ctrTitle"/>
-          </p:nvPr>
-        </p:nvSpPr>
-        <p:spPr>
-          <a:xfrm>
-            <a:off x="2144832" y="3931065"/>
-            <a:ext cx="8915399" cy="1359064"/>
-          </a:xfrm>
-        </p:spPr>
+            <p:ph type="title"/>
+          </p:nvPr>
+        </p:nvSpPr>
+        <p:spPr/>
         <p:txBody>
           <a:bodyPr>
-            <a:normAutofit fontScale="90000"/>
+            <a:normAutofit/>
           </a:bodyPr>
           <a:lstStyle/>
           <a:p>
             <a:r>
-              <a:rPr lang="en-IN" sz="8800" dirty="0" smtClean="0"/>
-              <a:t>PROJECT 2</a:t>
-            </a:r>
-            <a:endParaRPr lang="en-IN" sz="4400" dirty="0"/>
+              <a:rPr lang="en-IN" sz="7300" b="1" dirty="0" smtClean="0"/>
+              <a:t>PROBLEM</a:t>
+            </a:r>
+            <a:endParaRPr lang="en-IN" b="1" dirty="0"/>
+          </a:p>
+        </p:txBody>
+      </p:sp>
+      <p:sp>
+        <p:nvSpPr>
+          <p:cNvPr id="3" name="Content Placeholder 2"/>
+          <p:cNvSpPr>
+            <a:spLocks noGrp="1"/>
+          </p:cNvSpPr>
+          <p:nvPr>
+            <p:ph idx="1"/>
+          </p:nvPr>
+        </p:nvSpPr>
+        <p:spPr/>
+        <p:txBody>
+          <a:bodyPr>
+            <a:normAutofit/>
+          </a:bodyPr>
+          <a:lstStyle/>
+          <a:p>
+            <a:r>
+              <a:rPr lang="en-IN" sz="3200" dirty="0" smtClean="0"/>
+              <a:t>Which makes It </a:t>
+            </a:r>
+            <a:r>
+              <a:rPr lang="en-IN" sz="3200" dirty="0" smtClean="0"/>
+              <a:t>is difficult to track overall </a:t>
+            </a:r>
+            <a:r>
+              <a:rPr lang="en-IN" sz="3200" dirty="0" smtClean="0"/>
+              <a:t>P/L </a:t>
+            </a:r>
+            <a:r>
+              <a:rPr lang="en-IN" sz="3200" dirty="0" smtClean="0"/>
+              <a:t>of investment in </a:t>
+            </a:r>
+            <a:r>
+              <a:rPr lang="en-IN" sz="3200" dirty="0" err="1" smtClean="0"/>
+              <a:t>CryptoCurrency</a:t>
+            </a:r>
+            <a:r>
+              <a:rPr lang="en-IN" sz="3200" dirty="0" smtClean="0"/>
+              <a:t>.</a:t>
+            </a:r>
+            <a:endParaRPr lang="en-IN" sz="3200" dirty="0"/>
           </a:p>
         </p:txBody>
       </p:sp>
     </p:spTree>
     <p:extLst>
       <p:ext uri="{BB962C8B-B14F-4D97-AF65-F5344CB8AC3E}">
-        <p14:creationId xmlns:p14="http://schemas.microsoft.com/office/powerpoint/2010/main" val="1882786079"/>
+        <p14:creationId xmlns:p14="http://schemas.microsoft.com/office/powerpoint/2010/main" val="2854785211"/>
       </p:ext>
     </p:extLst>
   </p:cSld>
@@ -7892,54 +7941,50 @@
         </p:nvSpPr>
         <p:spPr/>
         <p:txBody>
-          <a:bodyPr>
-            <a:normAutofit/>
-          </a:bodyPr>
-          <a:lstStyle/>
-          <a:p>
-            <a:r>
-              <a:rPr lang="en-IN" sz="7300" b="1" dirty="0" smtClean="0"/>
-              <a:t>PROBLEM</a:t>
-            </a:r>
-            <a:endParaRPr lang="en-IN" b="1" dirty="0"/>
-          </a:p>
-        </p:txBody>
-      </p:sp>
-      <p:sp>
-        <p:nvSpPr>
-          <p:cNvPr id="3" name="Content Placeholder 2"/>
-          <p:cNvSpPr>
-            <a:spLocks noGrp="1"/>
-          </p:cNvSpPr>
-          <p:nvPr>
-            <p:ph idx="1"/>
-          </p:nvPr>
-        </p:nvSpPr>
-        <p:spPr/>
-        <p:txBody>
           <a:bodyPr/>
           <a:lstStyle/>
           <a:p>
             <a:r>
-              <a:rPr lang="en-IN" sz="2400" dirty="0" smtClean="0"/>
-              <a:t>All the Stock Photo sites does not have a rating metric for the photos.</a:t>
-            </a:r>
-          </a:p>
-          <a:p>
-            <a:r>
-              <a:rPr lang="en-IN" sz="2400" dirty="0" smtClean="0"/>
-              <a:t>This causes confusion for the customer as to which photo is better artistically according to the photography community.</a:t>
-            </a:r>
-          </a:p>
-          <a:p>
+              <a:rPr lang="en-IN" dirty="0" smtClean="0"/>
+              <a:t>KOINEX</a:t>
+            </a:r>
             <a:endParaRPr lang="en-IN" dirty="0"/>
           </a:p>
         </p:txBody>
       </p:sp>
+      <p:pic>
+        <p:nvPicPr>
+          <p:cNvPr id="4" name="Content Placeholder 3"/>
+          <p:cNvPicPr>
+            <a:picLocks noGrp="1" noChangeAspect="1"/>
+          </p:cNvPicPr>
+          <p:nvPr>
+            <p:ph idx="1"/>
+          </p:nvPr>
+        </p:nvPicPr>
+        <p:blipFill>
+          <a:blip r:embed="rId2">
+            <a:extLst>
+              <a:ext uri="{28A0092B-C50C-407E-A947-70E740481C1C}">
+                <a14:useLocalDpi xmlns:a14="http://schemas.microsoft.com/office/drawing/2010/main" val="0"/>
+              </a:ext>
+            </a:extLst>
+          </a:blip>
+          <a:stretch>
+            <a:fillRect/>
+          </a:stretch>
+        </p:blipFill>
+        <p:spPr>
+          <a:xfrm>
+            <a:off x="2709017" y="1392949"/>
+            <a:ext cx="7658673" cy="4476172"/>
+          </a:xfrm>
+        </p:spPr>
+      </p:pic>
     </p:spTree>
     <p:extLst>
       <p:ext uri="{BB962C8B-B14F-4D97-AF65-F5344CB8AC3E}">
-        <p14:creationId xmlns:p14="http://schemas.microsoft.com/office/powerpoint/2010/main" val="2427852373"/>
+        <p14:creationId xmlns:p14="http://schemas.microsoft.com/office/powerpoint/2010/main" val="1656517141"/>
       </p:ext>
     </p:extLst>
   </p:cSld>
@@ -7978,6 +8023,88 @@
         </p:nvSpPr>
         <p:spPr/>
         <p:txBody>
+          <a:bodyPr/>
+          <a:lstStyle/>
+          <a:p>
+            <a:r>
+              <a:rPr lang="en-IN" dirty="0" smtClean="0"/>
+              <a:t>BITFINEX</a:t>
+            </a:r>
+            <a:endParaRPr lang="en-IN" dirty="0"/>
+          </a:p>
+        </p:txBody>
+      </p:sp>
+      <p:pic>
+        <p:nvPicPr>
+          <p:cNvPr id="6" name="Content Placeholder 5"/>
+          <p:cNvPicPr>
+            <a:picLocks noGrp="1" noChangeAspect="1"/>
+          </p:cNvPicPr>
+          <p:nvPr>
+            <p:ph idx="1"/>
+          </p:nvPr>
+        </p:nvPicPr>
+        <p:blipFill>
+          <a:blip r:embed="rId2">
+            <a:extLst>
+              <a:ext uri="{28A0092B-C50C-407E-A947-70E740481C1C}">
+                <a14:useLocalDpi xmlns:a14="http://schemas.microsoft.com/office/drawing/2010/main" val="0"/>
+              </a:ext>
+            </a:extLst>
+          </a:blip>
+          <a:stretch>
+            <a:fillRect/>
+          </a:stretch>
+        </p:blipFill>
+        <p:spPr>
+          <a:xfrm>
+            <a:off x="2589213" y="1521152"/>
+            <a:ext cx="8915400" cy="4235254"/>
+          </a:xfrm>
+        </p:spPr>
+      </p:pic>
+    </p:spTree>
+    <p:extLst>
+      <p:ext uri="{BB962C8B-B14F-4D97-AF65-F5344CB8AC3E}">
+        <p14:creationId xmlns:p14="http://schemas.microsoft.com/office/powerpoint/2010/main" val="3741557959"/>
+      </p:ext>
+    </p:extLst>
+  </p:cSld>
+  <p:clrMapOvr>
+    <a:masterClrMapping/>
+  </p:clrMapOvr>
+</p:sld>
+</file>
+
+<file path=ppt/slides/slide7.xml><?xml version="1.0" encoding="utf-8"?>
+<p:sld xmlns:a="http://schemas.openxmlformats.org/drawingml/2006/main" xmlns:r="http://schemas.openxmlformats.org/officeDocument/2006/relationships" xmlns:p="http://schemas.openxmlformats.org/presentationml/2006/main">
+  <p:cSld>
+    <p:spTree>
+      <p:nvGrpSpPr>
+        <p:cNvPr id="1" name=""/>
+        <p:cNvGrpSpPr/>
+        <p:nvPr/>
+      </p:nvGrpSpPr>
+      <p:grpSpPr>
+        <a:xfrm>
+          <a:off x="0" y="0"/>
+          <a:ext cx="0" cy="0"/>
+          <a:chOff x="0" y="0"/>
+          <a:chExt cx="0" cy="0"/>
+        </a:xfrm>
+      </p:grpSpPr>
+      <p:sp>
+        <p:nvSpPr>
+          <p:cNvPr id="2" name="Title 1"/>
+          <p:cNvSpPr>
+            <a:spLocks noGrp="1"/>
+          </p:cNvSpPr>
+          <p:nvPr>
+            <p:ph type="title"/>
+          </p:nvPr>
+        </p:nvSpPr>
+        <p:spPr/>
+        <p:txBody>
           <a:bodyPr>
             <a:normAutofit/>
           </a:bodyPr>
@@ -8009,34 +8136,193 @@
           <a:lstStyle/>
           <a:p>
             <a:r>
-              <a:rPr lang="en-IN" sz="2400" dirty="0" smtClean="0"/>
-              <a:t>Our site along with the basic Stock Photography Selling website features will also have a rating metric for each photo.</a:t>
-            </a:r>
-          </a:p>
-          <a:p>
-            <a:r>
-              <a:rPr lang="en-IN" sz="2400" dirty="0" smtClean="0"/>
-              <a:t>The metric will be some combination of ratings by normal customers on how the photo performed with their project and rating by professional photographers.</a:t>
-            </a:r>
-          </a:p>
-          <a:p>
-            <a:r>
-              <a:rPr lang="en-IN" sz="2400" dirty="0" smtClean="0"/>
-              <a:t>This combination will give customer the idea of how the photo will perform in the market while also giving the idea of how much the community likes it.</a:t>
-            </a:r>
-          </a:p>
-          <a:p>
-            <a:pPr marL="0" indent="0">
-              <a:buNone/>
-            </a:pPr>
-            <a:endParaRPr lang="en-IN" sz="2400" dirty="0"/>
+              <a:rPr lang="en-IN" sz="3200" dirty="0" smtClean="0"/>
+              <a:t>A complete portal where you can track all of your crypto currency investments on different exchanges</a:t>
+            </a:r>
+            <a:r>
+              <a:rPr lang="en-IN" sz="3200" dirty="0" smtClean="0"/>
+              <a:t>.</a:t>
+            </a:r>
+            <a:endParaRPr lang="en-IN" sz="3200" dirty="0"/>
           </a:p>
         </p:txBody>
       </p:sp>
     </p:spTree>
     <p:extLst>
       <p:ext uri="{BB962C8B-B14F-4D97-AF65-F5344CB8AC3E}">
-        <p14:creationId xmlns:p14="http://schemas.microsoft.com/office/powerpoint/2010/main" val="1233856623"/>
+        <p14:creationId xmlns:p14="http://schemas.microsoft.com/office/powerpoint/2010/main" val="2028218280"/>
+      </p:ext>
+    </p:extLst>
+  </p:cSld>
+  <p:clrMapOvr>
+    <a:masterClrMapping/>
+  </p:clrMapOvr>
+</p:sld>
+</file>
+
+<file path=ppt/slides/slide8.xml><?xml version="1.0" encoding="utf-8"?>
+<p:sld xmlns:a="http://schemas.openxmlformats.org/drawingml/2006/main" xmlns:r="http://schemas.openxmlformats.org/officeDocument/2006/relationships" xmlns:p="http://schemas.openxmlformats.org/presentationml/2006/main">
+  <p:cSld>
+    <p:spTree>
+      <p:nvGrpSpPr>
+        <p:cNvPr id="1" name=""/>
+        <p:cNvGrpSpPr/>
+        <p:nvPr/>
+      </p:nvGrpSpPr>
+      <p:grpSpPr>
+        <a:xfrm>
+          <a:off x="0" y="0"/>
+          <a:ext cx="0" cy="0"/>
+          <a:chOff x="0" y="0"/>
+          <a:chExt cx="0" cy="0"/>
+        </a:xfrm>
+      </p:grpSpPr>
+      <p:sp>
+        <p:nvSpPr>
+          <p:cNvPr id="2" name="Title 1"/>
+          <p:cNvSpPr>
+            <a:spLocks noGrp="1"/>
+          </p:cNvSpPr>
+          <p:nvPr>
+            <p:ph type="title"/>
+          </p:nvPr>
+        </p:nvSpPr>
+        <p:spPr/>
+        <p:txBody>
+          <a:bodyPr>
+            <a:normAutofit/>
+          </a:bodyPr>
+          <a:lstStyle/>
+          <a:p>
+            <a:r>
+              <a:rPr lang="en-IN" sz="7200" b="1" dirty="0" smtClean="0"/>
+              <a:t>SOLUTION</a:t>
+            </a:r>
+            <a:endParaRPr lang="en-IN" sz="7200" dirty="0"/>
+          </a:p>
+        </p:txBody>
+      </p:sp>
+      <p:sp>
+        <p:nvSpPr>
+          <p:cNvPr id="3" name="Content Placeholder 2"/>
+          <p:cNvSpPr>
+            <a:spLocks noGrp="1"/>
+          </p:cNvSpPr>
+          <p:nvPr>
+            <p:ph idx="1"/>
+          </p:nvPr>
+        </p:nvSpPr>
+        <p:spPr/>
+        <p:txBody>
+          <a:bodyPr>
+            <a:normAutofit/>
+          </a:bodyPr>
+          <a:lstStyle/>
+          <a:p>
+            <a:r>
+              <a:rPr lang="en-IN" sz="3200" dirty="0" smtClean="0"/>
+              <a:t>Keep </a:t>
+            </a:r>
+            <a:r>
+              <a:rPr lang="en-IN" sz="3200" dirty="0" smtClean="0"/>
+              <a:t>up to date on total P/L for the total investment.</a:t>
+            </a:r>
+          </a:p>
+          <a:p>
+            <a:r>
+              <a:rPr lang="en-IN" sz="3200" dirty="0" smtClean="0"/>
+              <a:t>Also, P/L on per coin/token basis for better detailed analysis.</a:t>
+            </a:r>
+          </a:p>
+          <a:p>
+            <a:endParaRPr lang="en-IN" sz="3200" dirty="0"/>
+          </a:p>
+        </p:txBody>
+      </p:sp>
+    </p:spTree>
+    <p:extLst>
+      <p:ext uri="{BB962C8B-B14F-4D97-AF65-F5344CB8AC3E}">
+        <p14:creationId xmlns:p14="http://schemas.microsoft.com/office/powerpoint/2010/main" val="332844993"/>
+      </p:ext>
+    </p:extLst>
+  </p:cSld>
+  <p:clrMapOvr>
+    <a:masterClrMapping/>
+  </p:clrMapOvr>
+</p:sld>
+</file>
+
+<file path=ppt/slides/slide9.xml><?xml version="1.0" encoding="utf-8"?>
+<p:sld xmlns:a="http://schemas.openxmlformats.org/drawingml/2006/main" xmlns:r="http://schemas.openxmlformats.org/officeDocument/2006/relationships" xmlns:p="http://schemas.openxmlformats.org/presentationml/2006/main">
+  <p:cSld>
+    <p:spTree>
+      <p:nvGrpSpPr>
+        <p:cNvPr id="1" name=""/>
+        <p:cNvGrpSpPr/>
+        <p:nvPr/>
+      </p:nvGrpSpPr>
+      <p:grpSpPr>
+        <a:xfrm>
+          <a:off x="0" y="0"/>
+          <a:ext cx="0" cy="0"/>
+          <a:chOff x="0" y="0"/>
+          <a:chExt cx="0" cy="0"/>
+        </a:xfrm>
+      </p:grpSpPr>
+      <p:sp>
+        <p:nvSpPr>
+          <p:cNvPr id="2" name="Title 1"/>
+          <p:cNvSpPr>
+            <a:spLocks noGrp="1"/>
+          </p:cNvSpPr>
+          <p:nvPr>
+            <p:ph type="title"/>
+          </p:nvPr>
+        </p:nvSpPr>
+        <p:spPr/>
+        <p:txBody>
+          <a:bodyPr>
+            <a:normAutofit/>
+          </a:bodyPr>
+          <a:lstStyle/>
+          <a:p>
+            <a:r>
+              <a:rPr lang="en-IN" sz="7200" b="1" dirty="0" smtClean="0"/>
+              <a:t>E-COMMERCE</a:t>
+            </a:r>
+            <a:endParaRPr lang="en-IN" sz="7200" dirty="0"/>
+          </a:p>
+        </p:txBody>
+      </p:sp>
+      <p:sp>
+        <p:nvSpPr>
+          <p:cNvPr id="3" name="Content Placeholder 2"/>
+          <p:cNvSpPr>
+            <a:spLocks noGrp="1"/>
+          </p:cNvSpPr>
+          <p:nvPr>
+            <p:ph idx="1"/>
+          </p:nvPr>
+        </p:nvSpPr>
+        <p:spPr/>
+        <p:txBody>
+          <a:bodyPr>
+            <a:normAutofit/>
+          </a:bodyPr>
+          <a:lstStyle/>
+          <a:p>
+            <a:r>
+              <a:rPr lang="en-IN" sz="3200" dirty="0" smtClean="0"/>
+              <a:t>This will a Business-to-Customer (service) type of e-commerce for which a small fee will be charged on monthly basis.</a:t>
+            </a:r>
+            <a:endParaRPr lang="en-IN" sz="3200" dirty="0"/>
+          </a:p>
+        </p:txBody>
+      </p:sp>
+    </p:spTree>
+    <p:extLst>
+      <p:ext uri="{BB962C8B-B14F-4D97-AF65-F5344CB8AC3E}">
+        <p14:creationId xmlns:p14="http://schemas.microsoft.com/office/powerpoint/2010/main" val="1557076321"/>
       </p:ext>
     </p:extLst>
   </p:cSld>

--- a/Presentations/Pitch.pptx
+++ b/Presentations/Pitch.pptx
@@ -7645,6 +7645,36 @@
           </a:p>
         </p:txBody>
       </p:sp>
+      <p:pic>
+        <p:nvPicPr>
+          <p:cNvPr id="6" name="Picture 5"/>
+          <p:cNvPicPr>
+            <a:picLocks noChangeAspect="1"/>
+          </p:cNvPicPr>
+          <p:nvPr/>
+        </p:nvPicPr>
+        <p:blipFill>
+          <a:blip r:embed="rId2">
+            <a:extLst>
+              <a:ext uri="{28A0092B-C50C-407E-A947-70E740481C1C}">
+                <a14:useLocalDpi xmlns:a14="http://schemas.microsoft.com/office/drawing/2010/main" val="0"/>
+              </a:ext>
+            </a:extLst>
+          </a:blip>
+          <a:stretch>
+            <a:fillRect/>
+          </a:stretch>
+        </p:blipFill>
+        <p:spPr>
+          <a:xfrm>
+            <a:off x="6870602" y="2068082"/>
+            <a:ext cx="5205896" cy="4503634"/>
+          </a:xfrm>
+          <a:prstGeom prst="rect">
+            <a:avLst/>
+          </a:prstGeom>
+        </p:spPr>
+      </p:pic>
     </p:spTree>
     <p:extLst>
       <p:ext uri="{BB962C8B-B14F-4D97-AF65-F5344CB8AC3E}">
